--- a/AngularJS.pptx
+++ b/AngularJS.pptx
@@ -13,24 +13,23 @@
     <p:sldId id="260" r:id="rId7"/>
     <p:sldId id="261" r:id="rId8"/>
     <p:sldId id="262" r:id="rId9"/>
-    <p:sldId id="265" r:id="rId10"/>
-    <p:sldId id="263" r:id="rId11"/>
-    <p:sldId id="266" r:id="rId12"/>
-    <p:sldId id="267" r:id="rId13"/>
-    <p:sldId id="268" r:id="rId14"/>
-    <p:sldId id="269" r:id="rId15"/>
-    <p:sldId id="270" r:id="rId16"/>
-    <p:sldId id="271" r:id="rId17"/>
-    <p:sldId id="272" r:id="rId18"/>
-    <p:sldId id="273" r:id="rId19"/>
-    <p:sldId id="274" r:id="rId20"/>
-    <p:sldId id="275" r:id="rId21"/>
-    <p:sldId id="276" r:id="rId22"/>
-    <p:sldId id="277" r:id="rId23"/>
-    <p:sldId id="278" r:id="rId24"/>
-    <p:sldId id="279" r:id="rId25"/>
-    <p:sldId id="280" r:id="rId26"/>
-    <p:sldId id="281" r:id="rId27"/>
+    <p:sldId id="263" r:id="rId10"/>
+    <p:sldId id="266" r:id="rId11"/>
+    <p:sldId id="267" r:id="rId12"/>
+    <p:sldId id="268" r:id="rId13"/>
+    <p:sldId id="269" r:id="rId14"/>
+    <p:sldId id="270" r:id="rId15"/>
+    <p:sldId id="271" r:id="rId16"/>
+    <p:sldId id="272" r:id="rId17"/>
+    <p:sldId id="273" r:id="rId18"/>
+    <p:sldId id="274" r:id="rId19"/>
+    <p:sldId id="275" r:id="rId20"/>
+    <p:sldId id="276" r:id="rId21"/>
+    <p:sldId id="277" r:id="rId22"/>
+    <p:sldId id="278" r:id="rId23"/>
+    <p:sldId id="279" r:id="rId24"/>
+    <p:sldId id="280" r:id="rId25"/>
+    <p:sldId id="281" r:id="rId26"/>
   </p:sldIdLst>
   <p:sldSz cx="12192000" cy="6858000"/>
   <p:notesSz cx="6858000" cy="9144000"/>
@@ -3100,56 +3099,56 @@
           <a:p>
             <a:r>
               <a:rPr lang="en-US" dirty="0"/>
-              <a:t>Angular + ASP.NET</a:t>
-            </a:r>
-            <a:br>
+              <a:t>Demo</a:t>
+            </a:r>
+          </a:p>
+        </p:txBody>
+      </p:sp>
+      <p:sp>
+        <p:nvSpPr>
+          <p:cNvPr id="3" name="Content Placeholder 2"/>
+          <p:cNvSpPr>
+            <a:spLocks noGrp="1"/>
+          </p:cNvSpPr>
+          <p:nvPr>
+            <p:ph idx="1"/>
+          </p:nvPr>
+        </p:nvSpPr>
+        <p:spPr/>
+        <p:txBody>
+          <a:bodyPr/>
+          <a:lstStyle/>
+          <a:p>
+            <a:r>
               <a:rPr lang="en-US" dirty="0"/>
-            </a:br>
+              <a:t>Register controllers to the </a:t>
+            </a:r>
+            <a:r>
+              <a:rPr lang="en-US" dirty="0" err="1"/>
+              <a:t>mainApp</a:t>
+            </a:r>
+            <a:endParaRPr lang="en-US" dirty="0"/>
+          </a:p>
+          <a:p>
             <a:r>
               <a:rPr lang="en-US" dirty="0"/>
-              <a:t>Script Reference</a:t>
-            </a:r>
-          </a:p>
-        </p:txBody>
-      </p:sp>
-      <p:sp>
-        <p:nvSpPr>
-          <p:cNvPr id="3" name="Content Placeholder 2"/>
-          <p:cNvSpPr>
-            <a:spLocks noGrp="1"/>
-          </p:cNvSpPr>
-          <p:nvPr>
-            <p:ph idx="1"/>
-          </p:nvPr>
-        </p:nvSpPr>
-        <p:spPr/>
-        <p:txBody>
-          <a:bodyPr/>
-          <a:lstStyle/>
-          <a:p>
-            <a:r>
-              <a:rPr lang="en-US" dirty="0"/>
-              <a:t>Module</a:t>
-            </a:r>
-          </a:p>
-          <a:p>
-            <a:r>
-              <a:rPr lang="en-US" dirty="0"/>
-              <a:t>Controllers</a:t>
-            </a:r>
-          </a:p>
-          <a:p>
-            <a:r>
-              <a:rPr lang="en-US" dirty="0"/>
-              <a:t>Dependencies Injection</a:t>
-            </a:r>
+              <a:t>Register controllers’ dependencies to the </a:t>
+            </a:r>
+            <a:r>
+              <a:rPr lang="en-US" dirty="0" err="1"/>
+              <a:t>mainApp</a:t>
+            </a:r>
+            <a:endParaRPr lang="en-US" dirty="0"/>
+          </a:p>
+          <a:p>
+            <a:endParaRPr lang="en-US" dirty="0"/>
           </a:p>
         </p:txBody>
       </p:sp>
     </p:spTree>
     <p:extLst>
       <p:ext uri="{BB962C8B-B14F-4D97-AF65-F5344CB8AC3E}">
-        <p14:creationId xmlns:p14="http://schemas.microsoft.com/office/powerpoint/2010/main" val="2445814030"/>
+        <p14:creationId xmlns:p14="http://schemas.microsoft.com/office/powerpoint/2010/main" val="1026375469"/>
       </p:ext>
     </p:extLst>
   </p:cSld>
@@ -3193,7 +3192,7 @@
           <a:p>
             <a:r>
               <a:rPr lang="en-US" dirty="0"/>
-              <a:t>Demo</a:t>
+              <a:t>Getting data</a:t>
             </a:r>
           </a:p>
         </p:txBody>
@@ -3213,17 +3212,35 @@
           <a:bodyPr/>
           <a:lstStyle/>
           <a:p>
-            <a:pPr marL="0" indent="0">
-              <a:buNone/>
-            </a:pPr>
-            <a:endParaRPr lang="en-US" dirty="0"/>
+            <a:r>
+              <a:rPr lang="en-US" dirty="0"/>
+              <a:t>$http</a:t>
+            </a:r>
+          </a:p>
+          <a:p>
+            <a:r>
+              <a:rPr lang="en-US" dirty="0"/>
+              <a:t>$resources</a:t>
+            </a:r>
+          </a:p>
+          <a:p>
+            <a:r>
+              <a:rPr lang="en-US" dirty="0"/>
+              <a:t>Filters</a:t>
+            </a:r>
+          </a:p>
+          <a:p>
+            <a:r>
+              <a:rPr lang="en-US" dirty="0"/>
+              <a:t>Promise in ES2015</a:t>
+            </a:r>
           </a:p>
         </p:txBody>
       </p:sp>
     </p:spTree>
     <p:extLst>
       <p:ext uri="{BB962C8B-B14F-4D97-AF65-F5344CB8AC3E}">
-        <p14:creationId xmlns:p14="http://schemas.microsoft.com/office/powerpoint/2010/main" val="1026375469"/>
+        <p14:creationId xmlns:p14="http://schemas.microsoft.com/office/powerpoint/2010/main" val="2743938425"/>
       </p:ext>
     </p:extLst>
   </p:cSld>
@@ -3267,7 +3284,7 @@
           <a:p>
             <a:r>
               <a:rPr lang="en-US" dirty="0"/>
-              <a:t>Getting data</a:t>
+              <a:t>Demo</a:t>
             </a:r>
           </a:p>
         </p:txBody>
@@ -3293,93 +3310,46 @@
             </a:r>
           </a:p>
           <a:p>
+            <a:pPr lvl="1">
+              <a:buFont typeface="Wingdings" panose="05000000000000000000" pitchFamily="2" charset="2"/>
+              <a:buChar char="§"/>
+            </a:pPr>
+            <a:r>
+              <a:rPr lang="en-US" dirty="0"/>
+              <a:t> a light version of ajax method.</a:t>
+            </a:r>
+          </a:p>
+          <a:p>
             <a:r>
               <a:rPr lang="en-US" dirty="0"/>
               <a:t>$resources</a:t>
             </a:r>
           </a:p>
           <a:p>
+            <a:pPr lvl="1">
+              <a:buFont typeface="Wingdings" panose="05000000000000000000" pitchFamily="2" charset="2"/>
+              <a:buChar char="§"/>
+            </a:pPr>
+            <a:r>
+              <a:rPr lang="en-US" dirty="0"/>
+              <a:t>More RESTful way of API representation.</a:t>
+            </a:r>
+          </a:p>
+          <a:p>
             <a:r>
               <a:rPr lang="en-US" dirty="0"/>
               <a:t>Filters</a:t>
             </a:r>
           </a:p>
           <a:p>
+            <a:pPr lvl="1">
+              <a:buFont typeface="Wingdings" panose="05000000000000000000" pitchFamily="2" charset="2"/>
+              <a:buChar char="§"/>
+            </a:pPr>
             <a:r>
               <a:rPr lang="en-US" dirty="0"/>
-              <a:t>Promise in ES2015</a:t>
-            </a:r>
-          </a:p>
-        </p:txBody>
-      </p:sp>
-    </p:spTree>
-    <p:extLst>
-      <p:ext uri="{BB962C8B-B14F-4D97-AF65-F5344CB8AC3E}">
-        <p14:creationId xmlns:p14="http://schemas.microsoft.com/office/powerpoint/2010/main" val="2743938425"/>
-      </p:ext>
-    </p:extLst>
-  </p:cSld>
-  <p:clrMapOvr>
-    <a:masterClrMapping/>
-  </p:clrMapOvr>
-</p:sld>
-</file>
-
-<file path=ppt/slides/slide13.xml><?xml version="1.0" encoding="utf-8"?>
-<p:sld xmlns:a="http://schemas.openxmlformats.org/drawingml/2006/main" xmlns:r="http://schemas.openxmlformats.org/officeDocument/2006/relationships" xmlns:p="http://schemas.openxmlformats.org/presentationml/2006/main">
-  <p:cSld>
-    <p:spTree>
-      <p:nvGrpSpPr>
-        <p:cNvPr id="1" name=""/>
-        <p:cNvGrpSpPr/>
-        <p:nvPr/>
-      </p:nvGrpSpPr>
-      <p:grpSpPr>
-        <a:xfrm>
-          <a:off x="0" y="0"/>
-          <a:ext cx="0" cy="0"/>
-          <a:chOff x="0" y="0"/>
-          <a:chExt cx="0" cy="0"/>
-        </a:xfrm>
-      </p:grpSpPr>
-      <p:sp>
-        <p:nvSpPr>
-          <p:cNvPr id="2" name="Title 1"/>
-          <p:cNvSpPr>
-            <a:spLocks noGrp="1"/>
-          </p:cNvSpPr>
-          <p:nvPr>
-            <p:ph type="title"/>
-          </p:nvPr>
-        </p:nvSpPr>
-        <p:spPr/>
-        <p:txBody>
-          <a:bodyPr/>
-          <a:lstStyle/>
-          <a:p>
-            <a:r>
-              <a:rPr lang="en-US" dirty="0"/>
-              <a:t>Demo</a:t>
-            </a:r>
-          </a:p>
-        </p:txBody>
-      </p:sp>
-      <p:sp>
-        <p:nvSpPr>
-          <p:cNvPr id="3" name="Content Placeholder 2"/>
-          <p:cNvSpPr>
-            <a:spLocks noGrp="1"/>
-          </p:cNvSpPr>
-          <p:nvPr>
-            <p:ph idx="1"/>
-          </p:nvPr>
-        </p:nvSpPr>
-        <p:spPr/>
-        <p:txBody>
-          <a:bodyPr/>
-          <a:lstStyle/>
-          <a:p>
-            <a:endParaRPr lang="en-US" dirty="0"/>
+              <a:t>Custom Filters (parameters)</a:t>
+            </a:r>
           </a:p>
         </p:txBody>
       </p:sp>
@@ -3396,7 +3366,7 @@
 </p:sld>
 </file>
 
-<file path=ppt/slides/slide14.xml><?xml version="1.0" encoding="utf-8"?>
+<file path=ppt/slides/slide13.xml><?xml version="1.0" encoding="utf-8"?>
 <p:sld xmlns:a="http://schemas.openxmlformats.org/drawingml/2006/main" xmlns:r="http://schemas.openxmlformats.org/officeDocument/2006/relationships" xmlns:p="http://schemas.openxmlformats.org/presentationml/2006/main">
   <p:cSld>
     <p:spTree>
@@ -4181,6 +4151,95 @@
 </p:sld>
 </file>
 
+<file path=ppt/slides/slide14.xml><?xml version="1.0" encoding="utf-8"?>
+<p:sld xmlns:a="http://schemas.openxmlformats.org/drawingml/2006/main" xmlns:r="http://schemas.openxmlformats.org/officeDocument/2006/relationships" xmlns:p="http://schemas.openxmlformats.org/presentationml/2006/main">
+  <p:cSld>
+    <p:spTree>
+      <p:nvGrpSpPr>
+        <p:cNvPr id="1" name=""/>
+        <p:cNvGrpSpPr/>
+        <p:nvPr/>
+      </p:nvGrpSpPr>
+      <p:grpSpPr>
+        <a:xfrm>
+          <a:off x="0" y="0"/>
+          <a:ext cx="0" cy="0"/>
+          <a:chOff x="0" y="0"/>
+          <a:chExt cx="0" cy="0"/>
+        </a:xfrm>
+      </p:grpSpPr>
+      <p:sp>
+        <p:nvSpPr>
+          <p:cNvPr id="2" name="Title 1"/>
+          <p:cNvSpPr>
+            <a:spLocks noGrp="1"/>
+          </p:cNvSpPr>
+          <p:nvPr>
+            <p:ph type="title"/>
+          </p:nvPr>
+        </p:nvSpPr>
+        <p:spPr/>
+        <p:txBody>
+          <a:bodyPr/>
+          <a:lstStyle/>
+          <a:p>
+            <a:r>
+              <a:rPr lang="en-US" dirty="0"/>
+              <a:t>Demo</a:t>
+            </a:r>
+          </a:p>
+        </p:txBody>
+      </p:sp>
+      <p:sp>
+        <p:nvSpPr>
+          <p:cNvPr id="3" name="Content Placeholder 2"/>
+          <p:cNvSpPr>
+            <a:spLocks noGrp="1"/>
+          </p:cNvSpPr>
+          <p:nvPr>
+            <p:ph idx="1"/>
+          </p:nvPr>
+        </p:nvSpPr>
+        <p:spPr/>
+        <p:txBody>
+          <a:bodyPr/>
+          <a:lstStyle/>
+          <a:p>
+            <a:r>
+              <a:rPr lang="en-US" dirty="0" err="1"/>
+              <a:t>ASP.Net</a:t>
+            </a:r>
+            <a:r>
+              <a:rPr lang="en-US" dirty="0"/>
+              <a:t> Web API</a:t>
+            </a:r>
+          </a:p>
+          <a:p>
+            <a:r>
+              <a:rPr lang="en-US" dirty="0"/>
+              <a:t>JSON Format </a:t>
+            </a:r>
+            <a:r>
+              <a:rPr lang="en-US" dirty="0" err="1"/>
+              <a:t>CamelCase</a:t>
+            </a:r>
+            <a:endParaRPr lang="en-US" dirty="0"/>
+          </a:p>
+        </p:txBody>
+      </p:sp>
+    </p:spTree>
+    <p:extLst>
+      <p:ext uri="{BB962C8B-B14F-4D97-AF65-F5344CB8AC3E}">
+        <p14:creationId xmlns:p14="http://schemas.microsoft.com/office/powerpoint/2010/main" val="2817630486"/>
+      </p:ext>
+    </p:extLst>
+  </p:cSld>
+  <p:clrMapOvr>
+    <a:masterClrMapping/>
+  </p:clrMapOvr>
+</p:sld>
+</file>
+
 <file path=ppt/slides/slide15.xml><?xml version="1.0" encoding="utf-8"?>
 <p:sld xmlns:a="http://schemas.openxmlformats.org/drawingml/2006/main" xmlns:r="http://schemas.openxmlformats.org/officeDocument/2006/relationships" xmlns:p="http://schemas.openxmlformats.org/presentationml/2006/main">
   <p:cSld>
@@ -4215,7 +4274,7 @@
           <a:p>
             <a:r>
               <a:rPr lang="en-US" dirty="0"/>
-              <a:t>Demo</a:t>
+              <a:t>Routing and views</a:t>
             </a:r>
           </a:p>
         </p:txBody>
@@ -4235,14 +4294,37 @@
           <a:bodyPr/>
           <a:lstStyle/>
           <a:p>
-            <a:endParaRPr lang="en-US"/>
+            <a:r>
+              <a:rPr lang="en-US" b="1" dirty="0"/>
+              <a:t>SPA</a:t>
+            </a:r>
+            <a:r>
+              <a:rPr lang="en-US" dirty="0"/>
+              <a:t> uses views to build UI</a:t>
+            </a:r>
+          </a:p>
+          <a:p>
+            <a:r>
+              <a:rPr lang="en-US" b="1" dirty="0"/>
+              <a:t>Angular.js</a:t>
+            </a:r>
+            <a:r>
+              <a:rPr lang="en-US" dirty="0"/>
+              <a:t> uses routing to define views</a:t>
+            </a:r>
+          </a:p>
+          <a:p>
+            <a:r>
+              <a:rPr lang="en-US" dirty="0"/>
+              <a:t>Animations</a:t>
+            </a:r>
           </a:p>
         </p:txBody>
       </p:sp>
     </p:spTree>
     <p:extLst>
       <p:ext uri="{BB962C8B-B14F-4D97-AF65-F5344CB8AC3E}">
-        <p14:creationId xmlns:p14="http://schemas.microsoft.com/office/powerpoint/2010/main" val="2817630486"/>
+        <p14:creationId xmlns:p14="http://schemas.microsoft.com/office/powerpoint/2010/main" val="2565980755"/>
       </p:ext>
     </p:extLst>
   </p:cSld>
@@ -4286,7 +4368,7 @@
           <a:p>
             <a:r>
               <a:rPr lang="en-US" dirty="0"/>
-              <a:t>Routing and views</a:t>
+              <a:t>Demo</a:t>
             </a:r>
           </a:p>
         </p:txBody>
@@ -4306,37 +4388,14 @@
           <a:bodyPr/>
           <a:lstStyle/>
           <a:p>
-            <a:r>
-              <a:rPr lang="en-US" b="1" dirty="0"/>
-              <a:t>SPA</a:t>
-            </a:r>
-            <a:r>
-              <a:rPr lang="en-US" dirty="0"/>
-              <a:t> uses views to build UI</a:t>
-            </a:r>
-          </a:p>
-          <a:p>
-            <a:r>
-              <a:rPr lang="en-US" b="1" dirty="0"/>
-              <a:t>Angular.js</a:t>
-            </a:r>
-            <a:r>
-              <a:rPr lang="en-US" dirty="0"/>
-              <a:t> uses routing to define views</a:t>
-            </a:r>
-          </a:p>
-          <a:p>
-            <a:r>
-              <a:rPr lang="en-US" dirty="0"/>
-              <a:t>Animations</a:t>
-            </a:r>
+            <a:endParaRPr lang="en-US"/>
           </a:p>
         </p:txBody>
       </p:sp>
     </p:spTree>
     <p:extLst>
       <p:ext uri="{BB962C8B-B14F-4D97-AF65-F5344CB8AC3E}">
-        <p14:creationId xmlns:p14="http://schemas.microsoft.com/office/powerpoint/2010/main" val="2565980755"/>
+        <p14:creationId xmlns:p14="http://schemas.microsoft.com/office/powerpoint/2010/main" val="2438764041"/>
       </p:ext>
     </p:extLst>
   </p:cSld>
@@ -4380,7 +4439,14 @@
           <a:p>
             <a:r>
               <a:rPr lang="en-US" dirty="0"/>
-              <a:t>Demo</a:t>
+              <a:t>Angular + ASP.NET</a:t>
+            </a:r>
+            <a:br>
+              <a:rPr lang="en-US" dirty="0"/>
+            </a:br>
+            <a:r>
+              <a:rPr lang="en-US" dirty="0"/>
+              <a:t>Routing</a:t>
             </a:r>
           </a:p>
         </p:txBody>
@@ -4400,14 +4466,110 @@
           <a:bodyPr/>
           <a:lstStyle/>
           <a:p>
-            <a:endParaRPr lang="en-US"/>
+            <a:r>
+              <a:rPr lang="en-US" dirty="0"/>
+              <a:t>Deep links in Angular can conflict with MVC Routes</a:t>
+            </a:r>
+          </a:p>
+          <a:p>
+            <a:r>
+              <a:rPr lang="en-US" b="1" dirty="0"/>
+              <a:t>Use a Catchall route</a:t>
+            </a:r>
+          </a:p>
+          <a:p>
+            <a:endParaRPr lang="en-US" b="1" dirty="0"/>
+          </a:p>
+          <a:p>
+            <a:r>
+              <a:rPr lang="en-US" dirty="0" err="1">
+                <a:latin typeface="Consolas" panose="020B0609020204030204" pitchFamily="49" charset="0"/>
+                <a:cs typeface="Consolas" panose="020B0609020204030204" pitchFamily="49" charset="0"/>
+              </a:rPr>
+              <a:t>routes.MapRoute</a:t>
+            </a:r>
+            <a:r>
+              <a:rPr lang="en-US" dirty="0">
+                <a:latin typeface="Consolas" panose="020B0609020204030204" pitchFamily="49" charset="0"/>
+                <a:cs typeface="Consolas" panose="020B0609020204030204" pitchFamily="49" charset="0"/>
+              </a:rPr>
+              <a:t>(</a:t>
+            </a:r>
+            <a:br>
+              <a:rPr lang="en-US" dirty="0">
+                <a:latin typeface="Consolas" panose="020B0609020204030204" pitchFamily="49" charset="0"/>
+                <a:cs typeface="Consolas" panose="020B0609020204030204" pitchFamily="49" charset="0"/>
+              </a:rPr>
+            </a:br>
+            <a:r>
+              <a:rPr lang="en-US" dirty="0">
+                <a:latin typeface="Consolas" panose="020B0609020204030204" pitchFamily="49" charset="0"/>
+                <a:cs typeface="Consolas" panose="020B0609020204030204" pitchFamily="49" charset="0"/>
+              </a:rPr>
+              <a:t>	name: "Catch all route for SPA",</a:t>
+            </a:r>
+            <a:br>
+              <a:rPr lang="en-US" dirty="0">
+                <a:latin typeface="Consolas" panose="020B0609020204030204" pitchFamily="49" charset="0"/>
+                <a:cs typeface="Consolas" panose="020B0609020204030204" pitchFamily="49" charset="0"/>
+              </a:rPr>
+            </a:br>
+            <a:r>
+              <a:rPr lang="en-US" dirty="0">
+                <a:latin typeface="Consolas" panose="020B0609020204030204" pitchFamily="49" charset="0"/>
+                <a:cs typeface="Consolas" panose="020B0609020204030204" pitchFamily="49" charset="0"/>
+              </a:rPr>
+              <a:t>	url: "App/{*catchall}",</a:t>
+            </a:r>
+            <a:br>
+              <a:rPr lang="en-US" dirty="0">
+                <a:latin typeface="Consolas" panose="020B0609020204030204" pitchFamily="49" charset="0"/>
+                <a:cs typeface="Consolas" panose="020B0609020204030204" pitchFamily="49" charset="0"/>
+              </a:rPr>
+            </a:br>
+            <a:r>
+              <a:rPr lang="en-US" dirty="0">
+                <a:latin typeface="Consolas" panose="020B0609020204030204" pitchFamily="49" charset="0"/>
+                <a:cs typeface="Consolas" panose="020B0609020204030204" pitchFamily="49" charset="0"/>
+              </a:rPr>
+              <a:t>	defaults: new{</a:t>
+            </a:r>
+            <a:br>
+              <a:rPr lang="en-US" dirty="0">
+                <a:latin typeface="Consolas" panose="020B0609020204030204" pitchFamily="49" charset="0"/>
+                <a:cs typeface="Consolas" panose="020B0609020204030204" pitchFamily="49" charset="0"/>
+              </a:rPr>
+            </a:br>
+            <a:r>
+              <a:rPr lang="en-US" dirty="0">
+                <a:latin typeface="Consolas" panose="020B0609020204030204" pitchFamily="49" charset="0"/>
+                <a:cs typeface="Consolas" panose="020B0609020204030204" pitchFamily="49" charset="0"/>
+              </a:rPr>
+              <a:t>		controller = "Home", </a:t>
+            </a:r>
+            <a:br>
+              <a:rPr lang="en-US" dirty="0">
+                <a:latin typeface="Consolas" panose="020B0609020204030204" pitchFamily="49" charset="0"/>
+                <a:cs typeface="Consolas" panose="020B0609020204030204" pitchFamily="49" charset="0"/>
+              </a:rPr>
+            </a:br>
+            <a:r>
+              <a:rPr lang="en-US" dirty="0">
+                <a:latin typeface="Consolas" panose="020B0609020204030204" pitchFamily="49" charset="0"/>
+                <a:cs typeface="Consolas" panose="020B0609020204030204" pitchFamily="49" charset="0"/>
+              </a:rPr>
+              <a:t>		action = "Index"});</a:t>
+            </a:r>
+          </a:p>
+          <a:p>
+            <a:endParaRPr lang="en-US" dirty="0"/>
           </a:p>
         </p:txBody>
       </p:sp>
     </p:spTree>
     <p:extLst>
       <p:ext uri="{BB962C8B-B14F-4D97-AF65-F5344CB8AC3E}">
-        <p14:creationId xmlns:p14="http://schemas.microsoft.com/office/powerpoint/2010/main" val="2438764041"/>
+        <p14:creationId xmlns:p14="http://schemas.microsoft.com/office/powerpoint/2010/main" val="3940035732"/>
       </p:ext>
     </p:extLst>
   </p:cSld>
@@ -4451,14 +4613,7 @@
           <a:p>
             <a:r>
               <a:rPr lang="en-US" dirty="0"/>
-              <a:t>Angular + ASP.NET</a:t>
-            </a:r>
-            <a:br>
-              <a:rPr lang="en-US" dirty="0"/>
-            </a:br>
-            <a:r>
-              <a:rPr lang="en-US" dirty="0"/>
-              <a:t>Routing</a:t>
+              <a:t>ASP.NET + Angular Routing</a:t>
             </a:r>
           </a:p>
         </p:txBody>
@@ -4479,14 +4634,14 @@
           <a:lstStyle/>
           <a:p>
             <a:r>
-              <a:rPr lang="en-US" dirty="0"/>
-              <a:t>Deep links in Angular can conflict with MVC Routes</a:t>
-            </a:r>
-          </a:p>
-          <a:p>
-            <a:r>
               <a:rPr lang="en-US" b="1" dirty="0"/>
-              <a:t>Use a Catchall route</a:t>
+              <a:t>HTML from view – no problem!</a:t>
+            </a:r>
+          </a:p>
+          <a:p>
+            <a:r>
+              <a:rPr lang="en-US" b="1" dirty="0"/>
+              <a:t>HTML file – use an IIS Rewrite rule</a:t>
             </a:r>
           </a:p>
           <a:p>
@@ -4494,94 +4649,16 @@
           </a:p>
           <a:p>
             <a:r>
-              <a:rPr lang="en-US" dirty="0" err="1">
-                <a:latin typeface="Consolas" panose="020B0609020204030204" pitchFamily="49" charset="0"/>
-                <a:cs typeface="Consolas" panose="020B0609020204030204" pitchFamily="49" charset="0"/>
-              </a:rPr>
-              <a:t>routes.MapRoute</a:t>
-            </a:r>
-            <a:r>
-              <a:rPr lang="en-US" dirty="0">
-                <a:latin typeface="Consolas" panose="020B0609020204030204" pitchFamily="49" charset="0"/>
-                <a:cs typeface="Consolas" panose="020B0609020204030204" pitchFamily="49" charset="0"/>
-              </a:rPr>
-              <a:t>(</a:t>
-            </a:r>
-            <a:br>
-              <a:rPr lang="en-US" dirty="0">
-                <a:latin typeface="Consolas" panose="020B0609020204030204" pitchFamily="49" charset="0"/>
-                <a:cs typeface="Consolas" panose="020B0609020204030204" pitchFamily="49" charset="0"/>
-              </a:rPr>
-            </a:br>
-            <a:r>
-              <a:rPr lang="en-US" dirty="0">
-                <a:latin typeface="Consolas" panose="020B0609020204030204" pitchFamily="49" charset="0"/>
-                <a:cs typeface="Consolas" panose="020B0609020204030204" pitchFamily="49" charset="0"/>
-              </a:rPr>
-              <a:t>	name: "Catch all route for SPA",</a:t>
-            </a:r>
-            <a:br>
-              <a:rPr lang="en-US" dirty="0">
-                <a:latin typeface="Consolas" panose="020B0609020204030204" pitchFamily="49" charset="0"/>
-                <a:cs typeface="Consolas" panose="020B0609020204030204" pitchFamily="49" charset="0"/>
-              </a:rPr>
-            </a:br>
-            <a:r>
-              <a:rPr lang="en-US" dirty="0">
-                <a:latin typeface="Consolas" panose="020B0609020204030204" pitchFamily="49" charset="0"/>
-                <a:cs typeface="Consolas" panose="020B0609020204030204" pitchFamily="49" charset="0"/>
-              </a:rPr>
-              <a:t>	url: "App/{*catchall}",</a:t>
-            </a:r>
-            <a:br>
-              <a:rPr lang="en-US" dirty="0">
-                <a:latin typeface="Consolas" panose="020B0609020204030204" pitchFamily="49" charset="0"/>
-                <a:cs typeface="Consolas" panose="020B0609020204030204" pitchFamily="49" charset="0"/>
-              </a:rPr>
-            </a:br>
-            <a:r>
-              <a:rPr lang="en-US" dirty="0">
-                <a:latin typeface="Consolas" panose="020B0609020204030204" pitchFamily="49" charset="0"/>
-                <a:cs typeface="Consolas" panose="020B0609020204030204" pitchFamily="49" charset="0"/>
-              </a:rPr>
-              <a:t>	defaults: new{</a:t>
-            </a:r>
-            <a:br>
-              <a:rPr lang="en-US" dirty="0">
-                <a:latin typeface="Consolas" panose="020B0609020204030204" pitchFamily="49" charset="0"/>
-                <a:cs typeface="Consolas" panose="020B0609020204030204" pitchFamily="49" charset="0"/>
-              </a:rPr>
-            </a:br>
-            <a:r>
-              <a:rPr lang="en-US" dirty="0">
-                <a:latin typeface="Consolas" panose="020B0609020204030204" pitchFamily="49" charset="0"/>
-                <a:cs typeface="Consolas" panose="020B0609020204030204" pitchFamily="49" charset="0"/>
-              </a:rPr>
-              <a:t>		controller = "Home", </a:t>
-            </a:r>
-            <a:br>
-              <a:rPr lang="en-US" dirty="0">
-                <a:latin typeface="Consolas" panose="020B0609020204030204" pitchFamily="49" charset="0"/>
-                <a:cs typeface="Consolas" panose="020B0609020204030204" pitchFamily="49" charset="0"/>
-              </a:rPr>
-            </a:br>
-            <a:r>
-              <a:rPr lang="en-US" dirty="0">
-                <a:latin typeface="Consolas" panose="020B0609020204030204" pitchFamily="49" charset="0"/>
-                <a:cs typeface="Consolas" panose="020B0609020204030204" pitchFamily="49" charset="0"/>
-              </a:rPr>
-              <a:t>		action = "Index"});</a:t>
-            </a:r>
-          </a:p>
-          <a:p>
-            <a:endParaRPr lang="en-US" dirty="0"/>
+              <a:rPr lang="en-US" b="1" dirty="0"/>
+              <a:t>/cards.html -&gt; /cards</a:t>
+            </a:r>
           </a:p>
         </p:txBody>
       </p:sp>
     </p:spTree>
     <p:extLst>
       <p:ext uri="{BB962C8B-B14F-4D97-AF65-F5344CB8AC3E}">
-        <p14:creationId xmlns:p14="http://schemas.microsoft.com/office/powerpoint/2010/main" val="3940035732"/>
+        <p14:creationId xmlns:p14="http://schemas.microsoft.com/office/powerpoint/2010/main" val="79525888"/>
       </p:ext>
     </p:extLst>
   </p:cSld>
@@ -4625,7 +4702,7 @@
           <a:p>
             <a:r>
               <a:rPr lang="en-US" dirty="0"/>
-              <a:t>ASP.NET + Angular Routing</a:t>
+              <a:t>Demo</a:t>
             </a:r>
           </a:p>
         </p:txBody>
@@ -4645,32 +4722,14 @@
           <a:bodyPr/>
           <a:lstStyle/>
           <a:p>
-            <a:r>
-              <a:rPr lang="en-US" b="1" dirty="0"/>
-              <a:t>HTML from view – no problem!</a:t>
-            </a:r>
-          </a:p>
-          <a:p>
-            <a:r>
-              <a:rPr lang="en-US" b="1" dirty="0"/>
-              <a:t>HTML file – use an IIS Rewrite rule</a:t>
-            </a:r>
-          </a:p>
-          <a:p>
-            <a:endParaRPr lang="en-US" b="1" dirty="0"/>
-          </a:p>
-          <a:p>
-            <a:r>
-              <a:rPr lang="en-US" b="1" dirty="0"/>
-              <a:t>/cards.html -&gt; /cards</a:t>
-            </a:r>
+            <a:endParaRPr lang="en-US"/>
           </a:p>
         </p:txBody>
       </p:sp>
     </p:spTree>
     <p:extLst>
       <p:ext uri="{BB962C8B-B14F-4D97-AF65-F5344CB8AC3E}">
-        <p14:creationId xmlns:p14="http://schemas.microsoft.com/office/powerpoint/2010/main" val="79525888"/>
+        <p14:creationId xmlns:p14="http://schemas.microsoft.com/office/powerpoint/2010/main" val="1611173284"/>
       </p:ext>
     </p:extLst>
   </p:cSld>
@@ -4785,77 +4844,6 @@
 </file>
 
 <file path=ppt/slides/slide20.xml><?xml version="1.0" encoding="utf-8"?>
-<p:sld xmlns:a="http://schemas.openxmlformats.org/drawingml/2006/main" xmlns:r="http://schemas.openxmlformats.org/officeDocument/2006/relationships" xmlns:p="http://schemas.openxmlformats.org/presentationml/2006/main">
-  <p:cSld>
-    <p:spTree>
-      <p:nvGrpSpPr>
-        <p:cNvPr id="1" name=""/>
-        <p:cNvGrpSpPr/>
-        <p:nvPr/>
-      </p:nvGrpSpPr>
-      <p:grpSpPr>
-        <a:xfrm>
-          <a:off x="0" y="0"/>
-          <a:ext cx="0" cy="0"/>
-          <a:chOff x="0" y="0"/>
-          <a:chExt cx="0" cy="0"/>
-        </a:xfrm>
-      </p:grpSpPr>
-      <p:sp>
-        <p:nvSpPr>
-          <p:cNvPr id="2" name="Title 1"/>
-          <p:cNvSpPr>
-            <a:spLocks noGrp="1"/>
-          </p:cNvSpPr>
-          <p:nvPr>
-            <p:ph type="title"/>
-          </p:nvPr>
-        </p:nvSpPr>
-        <p:spPr/>
-        <p:txBody>
-          <a:bodyPr/>
-          <a:lstStyle/>
-          <a:p>
-            <a:r>
-              <a:rPr lang="en-US" dirty="0"/>
-              <a:t>Demo</a:t>
-            </a:r>
-          </a:p>
-        </p:txBody>
-      </p:sp>
-      <p:sp>
-        <p:nvSpPr>
-          <p:cNvPr id="3" name="Content Placeholder 2"/>
-          <p:cNvSpPr>
-            <a:spLocks noGrp="1"/>
-          </p:cNvSpPr>
-          <p:nvPr>
-            <p:ph idx="1"/>
-          </p:nvPr>
-        </p:nvSpPr>
-        <p:spPr/>
-        <p:txBody>
-          <a:bodyPr/>
-          <a:lstStyle/>
-          <a:p>
-            <a:endParaRPr lang="en-US"/>
-          </a:p>
-        </p:txBody>
-      </p:sp>
-    </p:spTree>
-    <p:extLst>
-      <p:ext uri="{BB962C8B-B14F-4D97-AF65-F5344CB8AC3E}">
-        <p14:creationId xmlns:p14="http://schemas.microsoft.com/office/powerpoint/2010/main" val="1611173284"/>
-      </p:ext>
-    </p:extLst>
-  </p:cSld>
-  <p:clrMapOvr>
-    <a:masterClrMapping/>
-  </p:clrMapOvr>
-</p:sld>
-</file>
-
-<file path=ppt/slides/slide21.xml><?xml version="1.0" encoding="utf-8"?>
 <p:sld xmlns:a="http://schemas.openxmlformats.org/drawingml/2006/main" xmlns:r="http://schemas.openxmlformats.org/officeDocument/2006/relationships" xmlns:p="http://schemas.openxmlformats.org/presentationml/2006/main">
   <p:cSld>
     <p:spTree>
@@ -6626,7 +6614,7 @@
 </p:sld>
 </file>
 
-<file path=ppt/slides/slide22.xml><?xml version="1.0" encoding="utf-8"?>
+<file path=ppt/slides/slide21.xml><?xml version="1.0" encoding="utf-8"?>
 <p:sld xmlns:a="http://schemas.openxmlformats.org/drawingml/2006/main" xmlns:r="http://schemas.openxmlformats.org/officeDocument/2006/relationships" xmlns:p="http://schemas.openxmlformats.org/presentationml/2006/main">
   <p:cSld>
     <p:spTree>
@@ -7395,7 +7383,7 @@
 </p:sld>
 </file>
 
-<file path=ppt/slides/slide23.xml><?xml version="1.0" encoding="utf-8"?>
+<file path=ppt/slides/slide22.xml><?xml version="1.0" encoding="utf-8"?>
 <p:sld xmlns:a="http://schemas.openxmlformats.org/drawingml/2006/main" xmlns:r="http://schemas.openxmlformats.org/officeDocument/2006/relationships" xmlns:p="http://schemas.openxmlformats.org/presentationml/2006/main">
   <p:cSld>
     <p:spTree>
@@ -7835,6 +7823,103 @@
 </p:sld>
 </file>
 
+<file path=ppt/slides/slide23.xml><?xml version="1.0" encoding="utf-8"?>
+<p:sld xmlns:a="http://schemas.openxmlformats.org/drawingml/2006/main" xmlns:r="http://schemas.openxmlformats.org/officeDocument/2006/relationships" xmlns:p="http://schemas.openxmlformats.org/presentationml/2006/main">
+  <p:cSld>
+    <p:spTree>
+      <p:nvGrpSpPr>
+        <p:cNvPr id="1" name=""/>
+        <p:cNvGrpSpPr/>
+        <p:nvPr/>
+      </p:nvGrpSpPr>
+      <p:grpSpPr>
+        <a:xfrm>
+          <a:off x="0" y="0"/>
+          <a:ext cx="0" cy="0"/>
+          <a:chOff x="0" y="0"/>
+          <a:chExt cx="0" cy="0"/>
+        </a:xfrm>
+      </p:grpSpPr>
+      <p:sp>
+        <p:nvSpPr>
+          <p:cNvPr id="2" name="Title 1"/>
+          <p:cNvSpPr>
+            <a:spLocks noGrp="1"/>
+          </p:cNvSpPr>
+          <p:nvPr>
+            <p:ph type="title"/>
+          </p:nvPr>
+        </p:nvSpPr>
+        <p:spPr/>
+        <p:txBody>
+          <a:bodyPr/>
+          <a:lstStyle/>
+          <a:p>
+            <a:r>
+              <a:rPr lang="en-US" dirty="0"/>
+              <a:t>Benefits of SignalR</a:t>
+            </a:r>
+          </a:p>
+        </p:txBody>
+      </p:sp>
+      <p:sp>
+        <p:nvSpPr>
+          <p:cNvPr id="3" name="Content Placeholder 2"/>
+          <p:cNvSpPr>
+            <a:spLocks noGrp="1"/>
+          </p:cNvSpPr>
+          <p:nvPr>
+            <p:ph idx="1"/>
+          </p:nvPr>
+        </p:nvSpPr>
+        <p:spPr/>
+        <p:txBody>
+          <a:bodyPr/>
+          <a:lstStyle/>
+          <a:p>
+            <a:r>
+              <a:rPr lang="en-US" dirty="0"/>
+              <a:t>Abstraction over transports</a:t>
+            </a:r>
+          </a:p>
+          <a:p>
+            <a:r>
+              <a:rPr lang="en-US" dirty="0"/>
+              <a:t>Events instead of task/</a:t>
+            </a:r>
+            <a:r>
+              <a:rPr lang="en-US" dirty="0" err="1"/>
+              <a:t>async</a:t>
+            </a:r>
+            <a:endParaRPr lang="en-US" dirty="0"/>
+          </a:p>
+          <a:p>
+            <a:r>
+              <a:rPr lang="en-US" dirty="0"/>
+              <a:t>Connection management</a:t>
+            </a:r>
+          </a:p>
+          <a:p>
+            <a:r>
+              <a:rPr lang="en-US" dirty="0"/>
+              <a:t>Broadcast or target specific client</a:t>
+            </a:r>
+          </a:p>
+        </p:txBody>
+      </p:sp>
+    </p:spTree>
+    <p:extLst>
+      <p:ext uri="{BB962C8B-B14F-4D97-AF65-F5344CB8AC3E}">
+        <p14:creationId xmlns:p14="http://schemas.microsoft.com/office/powerpoint/2010/main" val="3475883244"/>
+      </p:ext>
+    </p:extLst>
+  </p:cSld>
+  <p:clrMapOvr>
+    <a:masterClrMapping/>
+  </p:clrMapOvr>
+</p:sld>
+</file>
+
 <file path=ppt/slides/slide24.xml><?xml version="1.0" encoding="utf-8"?>
 <p:sld xmlns:a="http://schemas.openxmlformats.org/drawingml/2006/main" xmlns:r="http://schemas.openxmlformats.org/officeDocument/2006/relationships" xmlns:p="http://schemas.openxmlformats.org/presentationml/2006/main">
   <p:cSld>
@@ -7869,103 +7954,6 @@
           <a:p>
             <a:r>
               <a:rPr lang="en-US" dirty="0"/>
-              <a:t>Benefits of SignalR</a:t>
-            </a:r>
-          </a:p>
-        </p:txBody>
-      </p:sp>
-      <p:sp>
-        <p:nvSpPr>
-          <p:cNvPr id="3" name="Content Placeholder 2"/>
-          <p:cNvSpPr>
-            <a:spLocks noGrp="1"/>
-          </p:cNvSpPr>
-          <p:nvPr>
-            <p:ph idx="1"/>
-          </p:nvPr>
-        </p:nvSpPr>
-        <p:spPr/>
-        <p:txBody>
-          <a:bodyPr/>
-          <a:lstStyle/>
-          <a:p>
-            <a:r>
-              <a:rPr lang="en-US" dirty="0"/>
-              <a:t>Abstraction over transports</a:t>
-            </a:r>
-          </a:p>
-          <a:p>
-            <a:r>
-              <a:rPr lang="en-US" dirty="0"/>
-              <a:t>Events instead of task/</a:t>
-            </a:r>
-            <a:r>
-              <a:rPr lang="en-US" dirty="0" err="1"/>
-              <a:t>async</a:t>
-            </a:r>
-            <a:endParaRPr lang="en-US" dirty="0"/>
-          </a:p>
-          <a:p>
-            <a:r>
-              <a:rPr lang="en-US" dirty="0"/>
-              <a:t>Connection management</a:t>
-            </a:r>
-          </a:p>
-          <a:p>
-            <a:r>
-              <a:rPr lang="en-US" dirty="0"/>
-              <a:t>Broadcast or target specific client</a:t>
-            </a:r>
-          </a:p>
-        </p:txBody>
-      </p:sp>
-    </p:spTree>
-    <p:extLst>
-      <p:ext uri="{BB962C8B-B14F-4D97-AF65-F5344CB8AC3E}">
-        <p14:creationId xmlns:p14="http://schemas.microsoft.com/office/powerpoint/2010/main" val="3475883244"/>
-      </p:ext>
-    </p:extLst>
-  </p:cSld>
-  <p:clrMapOvr>
-    <a:masterClrMapping/>
-  </p:clrMapOvr>
-</p:sld>
-</file>
-
-<file path=ppt/slides/slide25.xml><?xml version="1.0" encoding="utf-8"?>
-<p:sld xmlns:a="http://schemas.openxmlformats.org/drawingml/2006/main" xmlns:r="http://schemas.openxmlformats.org/officeDocument/2006/relationships" xmlns:p="http://schemas.openxmlformats.org/presentationml/2006/main">
-  <p:cSld>
-    <p:spTree>
-      <p:nvGrpSpPr>
-        <p:cNvPr id="1" name=""/>
-        <p:cNvGrpSpPr/>
-        <p:nvPr/>
-      </p:nvGrpSpPr>
-      <p:grpSpPr>
-        <a:xfrm>
-          <a:off x="0" y="0"/>
-          <a:ext cx="0" cy="0"/>
-          <a:chOff x="0" y="0"/>
-          <a:chExt cx="0" cy="0"/>
-        </a:xfrm>
-      </p:grpSpPr>
-      <p:sp>
-        <p:nvSpPr>
-          <p:cNvPr id="2" name="Title 1"/>
-          <p:cNvSpPr>
-            <a:spLocks noGrp="1"/>
-          </p:cNvSpPr>
-          <p:nvPr>
-            <p:ph type="title"/>
-          </p:nvPr>
-        </p:nvSpPr>
-        <p:spPr/>
-        <p:txBody>
-          <a:bodyPr/>
-          <a:lstStyle/>
-          <a:p>
-            <a:r>
-              <a:rPr lang="en-US" dirty="0"/>
               <a:t>Demo</a:t>
             </a:r>
           </a:p>
@@ -8003,7 +7991,7 @@
 </p:sld>
 </file>
 
-<file path=ppt/slides/slide26.xml><?xml version="1.0" encoding="utf-8"?>
+<file path=ppt/slides/slide25.xml><?xml version="1.0" encoding="utf-8"?>
 <p:sld xmlns:a="http://schemas.openxmlformats.org/drawingml/2006/main" xmlns:r="http://schemas.openxmlformats.org/officeDocument/2006/relationships" xmlns:p="http://schemas.openxmlformats.org/presentationml/2006/main">
   <p:cSld>
     <p:spTree>
@@ -8358,15 +8346,7 @@
             </a:pPr>
             <a:r>
               <a:rPr lang="en-US" dirty="0"/>
-              <a:t>A </a:t>
-            </a:r>
-            <a:r>
-              <a:rPr lang="en-US"/>
-              <a:t>function to take </a:t>
-            </a:r>
-            <a:r>
-              <a:rPr lang="en-US" dirty="0"/>
-              <a:t>care of your business logic</a:t>
+              <a:t>A function to take care of your business logic</a:t>
             </a:r>
           </a:p>
         </p:txBody>
@@ -8418,7 +8398,7 @@
           <a:p>
             <a:r>
               <a:rPr lang="en-US" dirty="0"/>
-              <a:t>Adding angular.js to MVC</a:t>
+              <a:t>Adding angular.js</a:t>
             </a:r>
           </a:p>
         </p:txBody>
@@ -8430,7 +8410,7 @@
             <a:spLocks noGrp="1"/>
           </p:cNvSpPr>
           <p:nvPr>
-            <p:ph idx="1"/>
+            <p:ph type="body" sz="half" idx="2"/>
           </p:nvPr>
         </p:nvSpPr>
         <p:spPr/>
@@ -8460,8 +8440,40 @@
               <a:t>Bower, NPM, etc.</a:t>
             </a:r>
           </a:p>
-        </p:txBody>
-      </p:sp>
+          <a:p>
+            <a:endParaRPr lang="en-US" dirty="0"/>
+          </a:p>
+          <a:p>
+            <a:r>
+              <a:rPr lang="en-US" dirty="0"/>
+              <a:t>All the meaning of those Package manager</a:t>
+            </a:r>
+          </a:p>
+        </p:txBody>
+      </p:sp>
+      <p:pic>
+        <p:nvPicPr>
+          <p:cNvPr id="10" name="Picture Placeholder 9"/>
+          <p:cNvPicPr>
+            <a:picLocks noGrp="1" noChangeAspect="1"/>
+          </p:cNvPicPr>
+          <p:nvPr>
+            <p:ph type="pic" idx="1"/>
+          </p:nvPr>
+        </p:nvPicPr>
+        <p:blipFill>
+          <a:blip r:embed="rId2"/>
+          <a:srcRect t="5205" b="5205"/>
+          <a:stretch>
+            <a:fillRect/>
+          </a:stretch>
+        </p:blipFill>
+        <p:spPr>
+          <a:prstGeom prst="rect">
+            <a:avLst/>
+          </a:prstGeom>
+        </p:spPr>
+      </p:pic>
     </p:spTree>
     <p:extLst>
       <p:ext uri="{BB962C8B-B14F-4D97-AF65-F5344CB8AC3E}">
@@ -8749,7 +8761,14 @@
           <a:p>
             <a:r>
               <a:rPr lang="en-US" dirty="0"/>
-              <a:t>Demo</a:t>
+              <a:t>Angular + ASP.NET</a:t>
+            </a:r>
+            <a:br>
+              <a:rPr lang="en-US" dirty="0"/>
+            </a:br>
+            <a:r>
+              <a:rPr lang="en-US" dirty="0"/>
+              <a:t>Script Reference</a:t>
             </a:r>
           </a:p>
         </p:txBody>
@@ -8769,14 +8788,29 @@
           <a:bodyPr/>
           <a:lstStyle/>
           <a:p>
-            <a:endParaRPr lang="en-US"/>
+            <a:r>
+              <a:rPr lang="en-US" dirty="0"/>
+              <a:t>Module</a:t>
+            </a:r>
+          </a:p>
+          <a:p>
+            <a:r>
+              <a:rPr lang="en-US" dirty="0"/>
+              <a:t>Controllers</a:t>
+            </a:r>
+          </a:p>
+          <a:p>
+            <a:r>
+              <a:rPr lang="en-US" dirty="0"/>
+              <a:t>Dependencies Injection</a:t>
+            </a:r>
           </a:p>
         </p:txBody>
       </p:sp>
     </p:spTree>
     <p:extLst>
       <p:ext uri="{BB962C8B-B14F-4D97-AF65-F5344CB8AC3E}">
-        <p14:creationId xmlns:p14="http://schemas.microsoft.com/office/powerpoint/2010/main" val="2237998190"/>
+        <p14:creationId xmlns:p14="http://schemas.microsoft.com/office/powerpoint/2010/main" val="2445814030"/>
       </p:ext>
     </p:extLst>
   </p:cSld>
